--- a/Project/БД Продажи Рекламы ДЕМО.pptx
+++ b/Project/БД Продажи Рекламы ДЕМО.pptx
@@ -315,7 +315,7 @@
           <a:p>
             <a:fld id="{4AAD347D-5ACD-4C99-B74B-A9C85AD731AF}" type="datetimeFigureOut">
               <a:rPr lang="en-US" dirty="0"/>
-              <a:t>9/4/2024</a:t>
+              <a:t>9/5/2024</a:t>
             </a:fld>
             <a:endParaRPr lang="en-US" dirty="0"/>
           </a:p>
@@ -585,7 +585,7 @@
           <a:p>
             <a:fld id="{4509A250-FF31-4206-8172-F9D3106AACB1}" type="datetimeFigureOut">
               <a:rPr lang="en-US" dirty="0"/>
-              <a:t>9/4/2024</a:t>
+              <a:t>9/5/2024</a:t>
             </a:fld>
             <a:endParaRPr lang="en-US" dirty="0"/>
           </a:p>
@@ -774,7 +774,7 @@
           <a:p>
             <a:fld id="{4509A250-FF31-4206-8172-F9D3106AACB1}" type="datetimeFigureOut">
               <a:rPr lang="en-US" dirty="0"/>
-              <a:t>9/4/2024</a:t>
+              <a:t>9/5/2024</a:t>
             </a:fld>
             <a:endParaRPr lang="en-US" dirty="0"/>
           </a:p>
@@ -1042,7 +1042,7 @@
           <a:p>
             <a:fld id="{4509A250-FF31-4206-8172-F9D3106AACB1}" type="datetimeFigureOut">
               <a:rPr lang="en-US" dirty="0"/>
-              <a:t>9/4/2024</a:t>
+              <a:t>9/5/2024</a:t>
             </a:fld>
             <a:endParaRPr lang="en-US" dirty="0"/>
           </a:p>
@@ -1378,7 +1378,7 @@
           <a:p>
             <a:fld id="{4509A250-FF31-4206-8172-F9D3106AACB1}" type="datetimeFigureOut">
               <a:rPr lang="en-US" dirty="0"/>
-              <a:t>9/4/2024</a:t>
+              <a:t>9/5/2024</a:t>
             </a:fld>
             <a:endParaRPr lang="en-US" dirty="0"/>
           </a:p>
@@ -1996,7 +1996,7 @@
           <a:p>
             <a:fld id="{4509A250-FF31-4206-8172-F9D3106AACB1}" type="datetimeFigureOut">
               <a:rPr lang="en-US" dirty="0"/>
-              <a:t>9/4/2024</a:t>
+              <a:t>9/5/2024</a:t>
             </a:fld>
             <a:endParaRPr lang="en-US" dirty="0"/>
           </a:p>
@@ -2851,7 +2851,7 @@
           <a:p>
             <a:fld id="{4509A250-FF31-4206-8172-F9D3106AACB1}" type="datetimeFigureOut">
               <a:rPr lang="en-US" dirty="0"/>
-              <a:t>9/4/2024</a:t>
+              <a:t>9/5/2024</a:t>
             </a:fld>
             <a:endParaRPr lang="en-US" dirty="0"/>
           </a:p>
@@ -3016,7 +3016,7 @@
           <a:p>
             <a:fld id="{4509A250-FF31-4206-8172-F9D3106AACB1}" type="datetimeFigureOut">
               <a:rPr lang="en-US" dirty="0"/>
-              <a:t>9/4/2024</a:t>
+              <a:t>9/5/2024</a:t>
             </a:fld>
             <a:endParaRPr lang="en-US" dirty="0"/>
           </a:p>
@@ -3191,7 +3191,7 @@
           <a:p>
             <a:fld id="{4509A250-FF31-4206-8172-F9D3106AACB1}" type="datetimeFigureOut">
               <a:rPr lang="en-US" dirty="0"/>
-              <a:t>9/4/2024</a:t>
+              <a:t>9/5/2024</a:t>
             </a:fld>
             <a:endParaRPr lang="en-US" dirty="0"/>
           </a:p>
@@ -3356,7 +3356,7 @@
           <a:p>
             <a:fld id="{4509A250-FF31-4206-8172-F9D3106AACB1}" type="datetimeFigureOut">
               <a:rPr lang="en-US" dirty="0"/>
-              <a:t>9/4/2024</a:t>
+              <a:t>9/5/2024</a:t>
             </a:fld>
             <a:endParaRPr lang="en-US" dirty="0"/>
           </a:p>
@@ -3598,7 +3598,7 @@
           <a:p>
             <a:fld id="{9796027F-7875-4030-9381-8BD8C4F21935}" type="datetimeFigureOut">
               <a:rPr lang="en-US" dirty="0"/>
-              <a:t>9/4/2024</a:t>
+              <a:t>9/5/2024</a:t>
             </a:fld>
             <a:endParaRPr lang="en-US" dirty="0"/>
           </a:p>
@@ -3885,7 +3885,7 @@
           <a:p>
             <a:fld id="{9796027F-7875-4030-9381-8BD8C4F21935}" type="datetimeFigureOut">
               <a:rPr lang="en-US" dirty="0"/>
-              <a:t>9/4/2024</a:t>
+              <a:t>9/5/2024</a:t>
             </a:fld>
             <a:endParaRPr lang="en-US" dirty="0"/>
           </a:p>
@@ -4324,7 +4324,7 @@
           <a:p>
             <a:fld id="{9796027F-7875-4030-9381-8BD8C4F21935}" type="datetimeFigureOut">
               <a:rPr lang="en-US" dirty="0"/>
-              <a:t>9/4/2024</a:t>
+              <a:t>9/5/2024</a:t>
             </a:fld>
             <a:endParaRPr lang="en-US" dirty="0"/>
           </a:p>
@@ -4437,7 +4437,7 @@
           <a:p>
             <a:fld id="{4509A250-FF31-4206-8172-F9D3106AACB1}" type="datetimeFigureOut">
               <a:rPr lang="en-US" dirty="0"/>
-              <a:t>9/4/2024</a:t>
+              <a:t>9/5/2024</a:t>
             </a:fld>
             <a:endParaRPr lang="en-US" dirty="0"/>
           </a:p>
@@ -4527,7 +4527,7 @@
           <a:p>
             <a:fld id="{4509A250-FF31-4206-8172-F9D3106AACB1}" type="datetimeFigureOut">
               <a:rPr lang="en-US" dirty="0"/>
-              <a:t>9/4/2024</a:t>
+              <a:t>9/5/2024</a:t>
             </a:fld>
             <a:endParaRPr lang="en-US" dirty="0"/>
           </a:p>
@@ -4801,7 +4801,7 @@
           <a:p>
             <a:fld id="{4509A250-FF31-4206-8172-F9D3106AACB1}" type="datetimeFigureOut">
               <a:rPr lang="en-US" dirty="0"/>
-              <a:t>9/4/2024</a:t>
+              <a:t>9/5/2024</a:t>
             </a:fld>
             <a:endParaRPr lang="en-US" dirty="0"/>
           </a:p>
@@ -5071,7 +5071,7 @@
           <a:p>
             <a:fld id="{4509A250-FF31-4206-8172-F9D3106AACB1}" type="datetimeFigureOut">
               <a:rPr lang="en-US" dirty="0"/>
-              <a:t>9/4/2024</a:t>
+              <a:t>9/5/2024</a:t>
             </a:fld>
             <a:endParaRPr lang="en-US" dirty="0"/>
           </a:p>
@@ -5495,7 +5495,7 @@
           <a:p>
             <a:fld id="{4AAD347D-5ACD-4C99-B74B-A9C85AD731AF}" type="datetimeFigureOut">
               <a:rPr lang="en-US" dirty="0"/>
-              <a:t>9/4/2024</a:t>
+              <a:t>9/5/2024</a:t>
             </a:fld>
             <a:endParaRPr lang="en-US" dirty="0"/>
           </a:p>
@@ -6029,37 +6029,59 @@
             <p:ph type="ctrTitle"/>
           </p:nvPr>
         </p:nvSpPr>
-        <p:spPr/>
-        <p:txBody>
-          <a:bodyPr/>
-          <a:lstStyle/>
-          <a:p>
+        <p:spPr>
+          <a:xfrm>
+            <a:off x="1154954" y="2232560"/>
+            <a:ext cx="9289393" cy="2101933"/>
+          </a:xfrm>
+        </p:spPr>
+        <p:txBody>
+          <a:bodyPr/>
+          <a:lstStyle/>
+          <a:p>
+            <a:r>
+              <a:rPr lang="ru-RU" dirty="0"/>
+              <a:t>База Данных для Рекламных Решений</a:t>
+            </a:r>
+            <a:endParaRPr lang="ru-RU" dirty="0"/>
+          </a:p>
+        </p:txBody>
+      </p:sp>
+      <p:sp>
+        <p:nvSpPr>
+          <p:cNvPr id="3" name="Подзаголовок 2"/>
+          <p:cNvSpPr>
+            <a:spLocks noGrp="1"/>
+          </p:cNvSpPr>
+          <p:nvPr>
+            <p:ph type="subTitle" idx="1"/>
+          </p:nvPr>
+        </p:nvSpPr>
+        <p:spPr>
+          <a:xfrm>
+            <a:off x="1154954" y="5699697"/>
+            <a:ext cx="8825658" cy="861420"/>
+          </a:xfrm>
+        </p:spPr>
+        <p:txBody>
+          <a:bodyPr/>
+          <a:lstStyle/>
+          <a:p>
+            <a:r>
+              <a:rPr lang="en-US" dirty="0" smtClean="0"/>
+              <a:t>OTUS. </a:t>
+            </a:r>
             <a:r>
               <a:rPr lang="ru-RU" dirty="0" smtClean="0"/>
-              <a:t>БД Продажи Рекламы</a:t>
-            </a:r>
-            <a:endParaRPr lang="ru-RU" dirty="0"/>
-          </a:p>
-        </p:txBody>
-      </p:sp>
-      <p:sp>
-        <p:nvSpPr>
-          <p:cNvPr id="3" name="Подзаголовок 2"/>
-          <p:cNvSpPr>
-            <a:spLocks noGrp="1"/>
-          </p:cNvSpPr>
-          <p:nvPr>
-            <p:ph type="subTitle" idx="1"/>
-          </p:nvPr>
-        </p:nvSpPr>
-        <p:spPr/>
-        <p:txBody>
-          <a:bodyPr/>
-          <a:lstStyle/>
-          <a:p>
+              <a:t>Курс </a:t>
+            </a:r>
             <a:r>
               <a:rPr lang="en-US" dirty="0" smtClean="0"/>
-              <a:t>MS SQL</a:t>
+              <a:t>MS SQL. </a:t>
+            </a:r>
+            <a:r>
+              <a:rPr lang="ru-RU" dirty="0" smtClean="0"/>
+              <a:t>Горин И.М.</a:t>
             </a:r>
             <a:endParaRPr lang="ru-RU" dirty="0"/>
           </a:p>
@@ -6075,6 +6097,13 @@
   <p:clrMapOvr>
     <a:masterClrMapping/>
   </p:clrMapOvr>
+  <p:timing>
+    <p:tnLst>
+      <p:par>
+        <p:cTn id="1" dur="indefinite" restart="never" nodeType="tmRoot"/>
+      </p:par>
+    </p:tnLst>
+  </p:timing>
 </p:sld>
 </file>
 
@@ -6178,6 +6207,13 @@
   <p:clrMapOvr>
     <a:masterClrMapping/>
   </p:clrMapOvr>
+  <p:timing>
+    <p:tnLst>
+      <p:par>
+        <p:cTn id="1" dur="indefinite" restart="never" nodeType="tmRoot"/>
+      </p:par>
+    </p:tnLst>
+  </p:timing>
 </p:sld>
 </file>
 
@@ -6281,6 +6317,13 @@
   <p:clrMapOvr>
     <a:masterClrMapping/>
   </p:clrMapOvr>
+  <p:timing>
+    <p:tnLst>
+      <p:par>
+        <p:cTn id="1" dur="indefinite" restart="never" nodeType="tmRoot"/>
+      </p:par>
+    </p:tnLst>
+  </p:timing>
 </p:sld>
 </file>
 
@@ -6384,6 +6427,13 @@
   <p:clrMapOvr>
     <a:masterClrMapping/>
   </p:clrMapOvr>
+  <p:timing>
+    <p:tnLst>
+      <p:par>
+        <p:cTn id="1" dur="indefinite" restart="never" nodeType="tmRoot"/>
+      </p:par>
+    </p:tnLst>
+  </p:timing>
 </p:sld>
 </file>
 
@@ -6486,6 +6536,13 @@
   <p:clrMapOvr>
     <a:masterClrMapping/>
   </p:clrMapOvr>
+  <p:timing>
+    <p:tnLst>
+      <p:par>
+        <p:cTn id="1" dur="indefinite" restart="never" nodeType="tmRoot"/>
+      </p:par>
+    </p:tnLst>
+  </p:timing>
 </p:sld>
 </file>
 
@@ -6588,6 +6645,13 @@
   <p:clrMapOvr>
     <a:masterClrMapping/>
   </p:clrMapOvr>
+  <p:timing>
+    <p:tnLst>
+      <p:par>
+        <p:cTn id="1" dur="indefinite" restart="never" nodeType="tmRoot"/>
+      </p:par>
+    </p:tnLst>
+  </p:timing>
 </p:sld>
 </file>
 
@@ -6720,6 +6784,13 @@
   <p:clrMapOvr>
     <a:masterClrMapping/>
   </p:clrMapOvr>
+  <p:timing>
+    <p:tnLst>
+      <p:par>
+        <p:cTn id="1" dur="indefinite" restart="never" nodeType="tmRoot"/>
+      </p:par>
+    </p:tnLst>
+  </p:timing>
 </p:sld>
 </file>
 
@@ -6849,6 +6920,13 @@
   <p:clrMapOvr>
     <a:masterClrMapping/>
   </p:clrMapOvr>
+  <p:timing>
+    <p:tnLst>
+      <p:par>
+        <p:cTn id="1" dur="indefinite" restart="never" nodeType="tmRoot"/>
+      </p:par>
+    </p:tnLst>
+  </p:timing>
 </p:sld>
 </file>
 
@@ -6938,6 +7016,13 @@
   <p:clrMapOvr>
     <a:masterClrMapping/>
   </p:clrMapOvr>
+  <p:timing>
+    <p:tnLst>
+      <p:par>
+        <p:cTn id="1" dur="indefinite" restart="never" nodeType="tmRoot"/>
+      </p:par>
+    </p:tnLst>
+  </p:timing>
 </p:sld>
 </file>
 
@@ -7003,6 +7088,13 @@
   <p:clrMapOvr>
     <a:masterClrMapping/>
   </p:clrMapOvr>
+  <p:timing>
+    <p:tnLst>
+      <p:par>
+        <p:cTn id="1" dur="indefinite" restart="never" nodeType="tmRoot"/>
+      </p:par>
+    </p:tnLst>
+  </p:timing>
 </p:sld>
 </file>
 
@@ -7089,6 +7181,13 @@
   <p:clrMapOvr>
     <a:masterClrMapping/>
   </p:clrMapOvr>
+  <p:timing>
+    <p:tnLst>
+      <p:par>
+        <p:cTn id="1" dur="indefinite" restart="never" nodeType="tmRoot"/>
+      </p:par>
+    </p:tnLst>
+  </p:timing>
 </p:sld>
 </file>
 
@@ -7245,6 +7344,13 @@
   <p:clrMapOvr>
     <a:masterClrMapping/>
   </p:clrMapOvr>
+  <p:timing>
+    <p:tnLst>
+      <p:par>
+        <p:cTn id="1" dur="indefinite" restart="never" nodeType="tmRoot"/>
+      </p:par>
+    </p:tnLst>
+  </p:timing>
 </p:sld>
 </file>
 
@@ -7281,8 +7387,16 @@
           <a:lstStyle/>
           <a:p>
             <a:r>
-              <a:rPr lang="ru-RU" dirty="0"/>
-              <a:t>Редакция - автоматизация учета информации "с нуля".</a:t>
+              <a:rPr lang="ru-RU" dirty="0" smtClean="0"/>
+              <a:t>Автоматизация </a:t>
+            </a:r>
+            <a:r>
+              <a:rPr lang="ru-RU" dirty="0" smtClean="0"/>
+              <a:t>учета </a:t>
+            </a:r>
+            <a:r>
+              <a:rPr lang="ru-RU" dirty="0"/>
+              <a:t>информации "с нуля".</a:t>
             </a:r>
             <a:br>
               <a:rPr lang="ru-RU" dirty="0"/>
@@ -7358,6 +7472,13 @@
   <p:clrMapOvr>
     <a:masterClrMapping/>
   </p:clrMapOvr>
+  <p:timing>
+    <p:tnLst>
+      <p:par>
+        <p:cTn id="1" dur="indefinite" restart="never" nodeType="tmRoot"/>
+      </p:par>
+    </p:tnLst>
+  </p:timing>
 </p:sld>
 </file>
 
@@ -7511,6 +7632,13 @@
   <p:clrMapOvr>
     <a:masterClrMapping/>
   </p:clrMapOvr>
+  <p:timing>
+    <p:tnLst>
+      <p:par>
+        <p:cTn id="1" dur="indefinite" restart="never" nodeType="tmRoot"/>
+      </p:par>
+    </p:tnLst>
+  </p:timing>
 </p:sld>
 </file>
 
@@ -7897,6 +8025,13 @@
   <p:clrMapOvr>
     <a:masterClrMapping/>
   </p:clrMapOvr>
+  <p:timing>
+    <p:tnLst>
+      <p:par>
+        <p:cTn id="1" dur="indefinite" restart="never" nodeType="tmRoot"/>
+      </p:par>
+    </p:tnLst>
+  </p:timing>
 </p:sld>
 </file>
 
@@ -7975,6 +8110,13 @@
   <p:clrMapOvr>
     <a:masterClrMapping/>
   </p:clrMapOvr>
+  <p:timing>
+    <p:tnLst>
+      <p:par>
+        <p:cTn id="1" dur="indefinite" restart="never" nodeType="tmRoot"/>
+      </p:par>
+    </p:tnLst>
+  </p:timing>
 </p:sld>
 </file>
 
@@ -8102,6 +8244,13 @@
   <p:clrMapOvr>
     <a:masterClrMapping/>
   </p:clrMapOvr>
+  <p:timing>
+    <p:tnLst>
+      <p:par>
+        <p:cTn id="1" dur="indefinite" restart="never" nodeType="tmRoot"/>
+      </p:par>
+    </p:tnLst>
+  </p:timing>
 </p:sld>
 </file>
 
@@ -8181,6 +8330,13 @@
   <p:clrMapOvr>
     <a:masterClrMapping/>
   </p:clrMapOvr>
+  <p:timing>
+    <p:tnLst>
+      <p:par>
+        <p:cTn id="1" dur="indefinite" restart="never" nodeType="tmRoot"/>
+      </p:par>
+    </p:tnLst>
+  </p:timing>
 </p:sld>
 </file>
 
